--- a/new_ppt.pptx
+++ b/new_ppt.pptx
@@ -3986,10 +3986,10 @@
           <a:lstStyle/>
           <a:p>
             <a:r>
-              <a:rPr lang="en-IN" smtClean="0"/>
+              <a:rPr lang="en-IN" dirty="0" smtClean="0"/>
               <a:t>Main epics</a:t>
             </a:r>
-            <a:endParaRPr lang="en-IN"/>
+            <a:endParaRPr lang="en-IN" dirty="0"/>
           </a:p>
         </p:txBody>
       </p:sp>
